--- a/Images/CH18/CH18 Images.pptx
+++ b/Images/CH18/CH18 Images.pptx
@@ -107,6 +107,11 @@
       </a:defRPr>
     </a:lvl9pPr>
   </p:defaultTextStyle>
+  <p:extLst>
+    <p:ext uri="{EFAFB233-063F-42B5-8137-9DF3F51BA10A}">
+      <p15:sldGuideLst xmlns:p15="http://schemas.microsoft.com/office/powerpoint/2012/main"/>
+    </p:ext>
+  </p:extLst>
 </p:presentation>
 </file>
 
@@ -241,7 +246,7 @@
           <a:p>
             <a:fld id="{9A86A676-6624-7B4C-BCEA-C353BA51639D}" type="datetimeFigureOut">
               <a:rPr lang="en-US" smtClean="0"/>
-              <a:t>2/22/22</a:t>
+              <a:t>4/7/22</a:t>
             </a:fld>
             <a:endParaRPr lang="en-US"/>
           </a:p>
@@ -411,7 +416,7 @@
           <a:p>
             <a:fld id="{9A86A676-6624-7B4C-BCEA-C353BA51639D}" type="datetimeFigureOut">
               <a:rPr lang="en-US" smtClean="0"/>
-              <a:t>2/22/22</a:t>
+              <a:t>4/7/22</a:t>
             </a:fld>
             <a:endParaRPr lang="en-US"/>
           </a:p>
@@ -591,7 +596,7 @@
           <a:p>
             <a:fld id="{9A86A676-6624-7B4C-BCEA-C353BA51639D}" type="datetimeFigureOut">
               <a:rPr lang="en-US" smtClean="0"/>
-              <a:t>2/22/22</a:t>
+              <a:t>4/7/22</a:t>
             </a:fld>
             <a:endParaRPr lang="en-US"/>
           </a:p>
@@ -761,7 +766,7 @@
           <a:p>
             <a:fld id="{9A86A676-6624-7B4C-BCEA-C353BA51639D}" type="datetimeFigureOut">
               <a:rPr lang="en-US" smtClean="0"/>
-              <a:t>2/22/22</a:t>
+              <a:t>4/7/22</a:t>
             </a:fld>
             <a:endParaRPr lang="en-US"/>
           </a:p>
@@ -1005,7 +1010,7 @@
           <a:p>
             <a:fld id="{9A86A676-6624-7B4C-BCEA-C353BA51639D}" type="datetimeFigureOut">
               <a:rPr lang="en-US" smtClean="0"/>
-              <a:t>2/22/22</a:t>
+              <a:t>4/7/22</a:t>
             </a:fld>
             <a:endParaRPr lang="en-US"/>
           </a:p>
@@ -1237,7 +1242,7 @@
           <a:p>
             <a:fld id="{9A86A676-6624-7B4C-BCEA-C353BA51639D}" type="datetimeFigureOut">
               <a:rPr lang="en-US" smtClean="0"/>
-              <a:t>2/22/22</a:t>
+              <a:t>4/7/22</a:t>
             </a:fld>
             <a:endParaRPr lang="en-US"/>
           </a:p>
@@ -1604,7 +1609,7 @@
           <a:p>
             <a:fld id="{9A86A676-6624-7B4C-BCEA-C353BA51639D}" type="datetimeFigureOut">
               <a:rPr lang="en-US" smtClean="0"/>
-              <a:t>2/22/22</a:t>
+              <a:t>4/7/22</a:t>
             </a:fld>
             <a:endParaRPr lang="en-US"/>
           </a:p>
@@ -1722,7 +1727,7 @@
           <a:p>
             <a:fld id="{9A86A676-6624-7B4C-BCEA-C353BA51639D}" type="datetimeFigureOut">
               <a:rPr lang="en-US" smtClean="0"/>
-              <a:t>2/22/22</a:t>
+              <a:t>4/7/22</a:t>
             </a:fld>
             <a:endParaRPr lang="en-US"/>
           </a:p>
@@ -1817,7 +1822,7 @@
           <a:p>
             <a:fld id="{9A86A676-6624-7B4C-BCEA-C353BA51639D}" type="datetimeFigureOut">
               <a:rPr lang="en-US" smtClean="0"/>
-              <a:t>2/22/22</a:t>
+              <a:t>4/7/22</a:t>
             </a:fld>
             <a:endParaRPr lang="en-US"/>
           </a:p>
@@ -2094,7 +2099,7 @@
           <a:p>
             <a:fld id="{9A86A676-6624-7B4C-BCEA-C353BA51639D}" type="datetimeFigureOut">
               <a:rPr lang="en-US" smtClean="0"/>
-              <a:t>2/22/22</a:t>
+              <a:t>4/7/22</a:t>
             </a:fld>
             <a:endParaRPr lang="en-US"/>
           </a:p>
@@ -2351,7 +2356,7 @@
           <a:p>
             <a:fld id="{9A86A676-6624-7B4C-BCEA-C353BA51639D}" type="datetimeFigureOut">
               <a:rPr lang="en-US" smtClean="0"/>
-              <a:t>2/22/22</a:t>
+              <a:t>4/7/22</a:t>
             </a:fld>
             <a:endParaRPr lang="en-US"/>
           </a:p>
@@ -2564,7 +2569,7 @@
           <a:p>
             <a:fld id="{9A86A676-6624-7B4C-BCEA-C353BA51639D}" type="datetimeFigureOut">
               <a:rPr lang="en-US" smtClean="0"/>
-              <a:t>2/22/22</a:t>
+              <a:t>4/7/22</a:t>
             </a:fld>
             <a:endParaRPr lang="en-US"/>
           </a:p>
@@ -2969,6 +2974,97 @@
           <a:chExt cx="0" cy="0"/>
         </a:xfrm>
       </p:grpSpPr>
+      <p:sp>
+        <p:nvSpPr>
+          <p:cNvPr id="6" name="Oval 5">
+            <a:extLst>
+              <a:ext uri="{FF2B5EF4-FFF2-40B4-BE49-F238E27FC236}">
+                <a16:creationId xmlns:a16="http://schemas.microsoft.com/office/drawing/2014/main" id="{72B88D31-8FDF-6E43-8148-1F06C7E34FC0}"/>
+              </a:ext>
+            </a:extLst>
+          </p:cNvPr>
+          <p:cNvSpPr/>
+          <p:nvPr/>
+        </p:nvSpPr>
+        <p:spPr>
+          <a:xfrm>
+            <a:off x="5835619" y="2143311"/>
+            <a:ext cx="1993186" cy="1797977"/>
+          </a:xfrm>
+          <a:prstGeom prst="ellipse">
+            <a:avLst/>
+          </a:prstGeom>
+          <a:noFill/>
+          <a:ln>
+            <a:solidFill>
+              <a:srgbClr val="7030A0"/>
+            </a:solidFill>
+          </a:ln>
+        </p:spPr>
+        <p:style>
+          <a:lnRef idx="2">
+            <a:schemeClr val="accent1">
+              <a:shade val="50000"/>
+            </a:schemeClr>
+          </a:lnRef>
+          <a:fillRef idx="1">
+            <a:schemeClr val="accent1"/>
+          </a:fillRef>
+          <a:effectRef idx="0">
+            <a:schemeClr val="accent1"/>
+          </a:effectRef>
+          <a:fontRef idx="minor">
+            <a:schemeClr val="lt1"/>
+          </a:fontRef>
+        </p:style>
+        <p:txBody>
+          <a:bodyPr rtlCol="0" anchor="ctr"/>
+          <a:lstStyle/>
+          <a:p>
+            <a:pPr algn="ctr"/>
+            <a:r>
+              <a:rPr lang="en-US" b="1" dirty="0">
+                <a:solidFill>
+                  <a:srgbClr val="7030A0"/>
+                </a:solidFill>
+              </a:rPr>
+              <a:t>Domo</a:t>
+            </a:r>
+          </a:p>
+          <a:p>
+            <a:pPr algn="ctr"/>
+            <a:r>
+              <a:rPr lang="en-US" b="1" dirty="0">
+                <a:solidFill>
+                  <a:srgbClr val="7030A0"/>
+                </a:solidFill>
+              </a:rPr>
+              <a:t>Master</a:t>
+            </a:r>
+          </a:p>
+          <a:p>
+            <a:pPr algn="ctr"/>
+            <a:endParaRPr lang="en-US" sz="1000" dirty="0">
+              <a:solidFill>
+                <a:srgbClr val="7030A0"/>
+              </a:solidFill>
+              <a:latin typeface="+mj-lt"/>
+            </a:endParaRPr>
+          </a:p>
+          <a:p>
+            <a:pPr algn="ctr"/>
+            <a:r>
+              <a:rPr lang="en-US" dirty="0">
+                <a:solidFill>
+                  <a:srgbClr val="7030A0"/>
+                </a:solidFill>
+                <a:latin typeface="+mj-lt"/>
+              </a:rPr>
+              <a:t>Business</a:t>
+            </a:r>
+          </a:p>
+        </p:txBody>
+      </p:sp>
       <p:grpSp>
         <p:nvGrpSpPr>
           <p:cNvPr id="9" name="Group 8">
@@ -2984,9 +3080,9 @@
         <p:grpSpPr>
           <a:xfrm>
             <a:off x="2675131" y="1404991"/>
-            <a:ext cx="3658457" cy="3210674"/>
+            <a:ext cx="3658457" cy="3274618"/>
             <a:chOff x="2675131" y="1404991"/>
-            <a:chExt cx="3658457" cy="3210674"/>
+            <a:chExt cx="3658457" cy="3274618"/>
           </a:xfrm>
         </p:grpSpPr>
         <p:sp>
@@ -3091,7 +3187,7 @@
           </p:nvSpPr>
           <p:spPr>
             <a:xfrm>
-              <a:off x="4006063" y="2817688"/>
+              <a:off x="3973643" y="2881632"/>
               <a:ext cx="1993186" cy="1797977"/>
             </a:xfrm>
             <a:prstGeom prst="ellipse">
@@ -9497,6 +9593,1554 @@
           <a:chExt cx="0" cy="0"/>
         </a:xfrm>
       </p:grpSpPr>
+      <p:sp>
+        <p:nvSpPr>
+          <p:cNvPr id="2" name="Rectangle 1">
+            <a:extLst>
+              <a:ext uri="{FF2B5EF4-FFF2-40B4-BE49-F238E27FC236}">
+                <a16:creationId xmlns:a16="http://schemas.microsoft.com/office/drawing/2014/main" id="{8022650E-1CB1-6242-B93C-F8F11DE8CD32}"/>
+              </a:ext>
+            </a:extLst>
+          </p:cNvPr>
+          <p:cNvSpPr/>
+          <p:nvPr/>
+        </p:nvSpPr>
+        <p:spPr>
+          <a:xfrm>
+            <a:off x="3673012" y="1099335"/>
+            <a:ext cx="1797977" cy="554804"/>
+          </a:xfrm>
+          <a:prstGeom prst="rect">
+            <a:avLst/>
+          </a:prstGeom>
+          <a:noFill/>
+          <a:ln>
+            <a:solidFill>
+              <a:schemeClr val="tx1">
+                <a:lumMod val="85000"/>
+                <a:lumOff val="15000"/>
+              </a:schemeClr>
+            </a:solidFill>
+          </a:ln>
+        </p:spPr>
+        <p:style>
+          <a:lnRef idx="2">
+            <a:schemeClr val="accent1">
+              <a:shade val="50000"/>
+            </a:schemeClr>
+          </a:lnRef>
+          <a:fillRef idx="1">
+            <a:schemeClr val="accent1"/>
+          </a:fillRef>
+          <a:effectRef idx="0">
+            <a:schemeClr val="accent1"/>
+          </a:effectRef>
+          <a:fontRef idx="minor">
+            <a:schemeClr val="lt1"/>
+          </a:fontRef>
+        </p:style>
+        <p:txBody>
+          <a:bodyPr rtlCol="0" anchor="ctr"/>
+          <a:lstStyle/>
+          <a:p>
+            <a:pPr algn="ctr"/>
+            <a:r>
+              <a:rPr lang="en-US" dirty="0">
+                <a:solidFill>
+                  <a:schemeClr val="tx1">
+                    <a:lumMod val="85000"/>
+                    <a:lumOff val="15000"/>
+                  </a:schemeClr>
+                </a:solidFill>
+              </a:rPr>
+              <a:t>Major Domo</a:t>
+            </a:r>
+          </a:p>
+        </p:txBody>
+      </p:sp>
+      <p:sp>
+        <p:nvSpPr>
+          <p:cNvPr id="3" name="Rectangle 2">
+            <a:extLst>
+              <a:ext uri="{FF2B5EF4-FFF2-40B4-BE49-F238E27FC236}">
+                <a16:creationId xmlns:a16="http://schemas.microsoft.com/office/drawing/2014/main" id="{3FD51F83-D1BD-F64B-90F2-9D0BA0EE2D91}"/>
+              </a:ext>
+            </a:extLst>
+          </p:cNvPr>
+          <p:cNvSpPr/>
+          <p:nvPr/>
+        </p:nvSpPr>
+        <p:spPr>
+          <a:xfrm>
+            <a:off x="3673011" y="265416"/>
+            <a:ext cx="1797977" cy="554804"/>
+          </a:xfrm>
+          <a:prstGeom prst="rect">
+            <a:avLst/>
+          </a:prstGeom>
+          <a:noFill/>
+          <a:ln>
+            <a:solidFill>
+              <a:schemeClr val="tx1">
+                <a:lumMod val="85000"/>
+                <a:lumOff val="15000"/>
+              </a:schemeClr>
+            </a:solidFill>
+          </a:ln>
+        </p:spPr>
+        <p:style>
+          <a:lnRef idx="2">
+            <a:schemeClr val="accent1">
+              <a:shade val="50000"/>
+            </a:schemeClr>
+          </a:lnRef>
+          <a:fillRef idx="1">
+            <a:schemeClr val="accent1"/>
+          </a:fillRef>
+          <a:effectRef idx="0">
+            <a:schemeClr val="accent1"/>
+          </a:effectRef>
+          <a:fontRef idx="minor">
+            <a:schemeClr val="lt1"/>
+          </a:fontRef>
+        </p:style>
+        <p:txBody>
+          <a:bodyPr rtlCol="0" anchor="ctr"/>
+          <a:lstStyle/>
+          <a:p>
+            <a:pPr algn="ctr"/>
+            <a:r>
+              <a:rPr lang="en-US" dirty="0">
+                <a:solidFill>
+                  <a:schemeClr val="tx1">
+                    <a:lumMod val="85000"/>
+                    <a:lumOff val="15000"/>
+                  </a:schemeClr>
+                </a:solidFill>
+              </a:rPr>
+              <a:t>Executive Sponsor</a:t>
+            </a:r>
+          </a:p>
+        </p:txBody>
+      </p:sp>
+      <p:sp>
+        <p:nvSpPr>
+          <p:cNvPr id="4" name="Rectangle 3">
+            <a:extLst>
+              <a:ext uri="{FF2B5EF4-FFF2-40B4-BE49-F238E27FC236}">
+                <a16:creationId xmlns:a16="http://schemas.microsoft.com/office/drawing/2014/main" id="{199D611A-FAA3-A64A-AF2C-F20BF11655C8}"/>
+              </a:ext>
+            </a:extLst>
+          </p:cNvPr>
+          <p:cNvSpPr/>
+          <p:nvPr/>
+        </p:nvSpPr>
+        <p:spPr>
+          <a:xfrm>
+            <a:off x="7246701" y="1601701"/>
+            <a:ext cx="885292" cy="279116"/>
+          </a:xfrm>
+          <a:prstGeom prst="rect">
+            <a:avLst/>
+          </a:prstGeom>
+          <a:noFill/>
+          <a:ln>
+            <a:solidFill>
+              <a:schemeClr val="tx1">
+                <a:lumMod val="85000"/>
+                <a:lumOff val="15000"/>
+              </a:schemeClr>
+            </a:solidFill>
+          </a:ln>
+        </p:spPr>
+        <p:style>
+          <a:lnRef idx="2">
+            <a:schemeClr val="accent1">
+              <a:shade val="50000"/>
+            </a:schemeClr>
+          </a:lnRef>
+          <a:fillRef idx="1">
+            <a:schemeClr val="accent1"/>
+          </a:fillRef>
+          <a:effectRef idx="0">
+            <a:schemeClr val="accent1"/>
+          </a:effectRef>
+          <a:fontRef idx="minor">
+            <a:schemeClr val="lt1"/>
+          </a:fontRef>
+        </p:style>
+        <p:txBody>
+          <a:bodyPr rtlCol="0" anchor="ctr"/>
+          <a:lstStyle/>
+          <a:p>
+            <a:pPr algn="ctr"/>
+            <a:r>
+              <a:rPr lang="en-US" dirty="0">
+                <a:solidFill>
+                  <a:schemeClr val="tx1">
+                    <a:lumMod val="85000"/>
+                    <a:lumOff val="15000"/>
+                  </a:schemeClr>
+                </a:solidFill>
+              </a:rPr>
+              <a:t>CEO</a:t>
+            </a:r>
+          </a:p>
+        </p:txBody>
+      </p:sp>
+      <p:sp>
+        <p:nvSpPr>
+          <p:cNvPr id="5" name="Rectangle 4">
+            <a:extLst>
+              <a:ext uri="{FF2B5EF4-FFF2-40B4-BE49-F238E27FC236}">
+                <a16:creationId xmlns:a16="http://schemas.microsoft.com/office/drawing/2014/main" id="{3B0DF1CA-E7D3-CE48-B3FF-5650F6FCAA01}"/>
+              </a:ext>
+            </a:extLst>
+          </p:cNvPr>
+          <p:cNvSpPr/>
+          <p:nvPr/>
+        </p:nvSpPr>
+        <p:spPr>
+          <a:xfrm>
+            <a:off x="7246701" y="1989771"/>
+            <a:ext cx="885292" cy="273547"/>
+          </a:xfrm>
+          <a:prstGeom prst="rect">
+            <a:avLst/>
+          </a:prstGeom>
+          <a:noFill/>
+          <a:ln>
+            <a:solidFill>
+              <a:schemeClr val="tx1">
+                <a:lumMod val="85000"/>
+                <a:lumOff val="15000"/>
+              </a:schemeClr>
+            </a:solidFill>
+          </a:ln>
+        </p:spPr>
+        <p:style>
+          <a:lnRef idx="2">
+            <a:schemeClr val="accent1">
+              <a:shade val="50000"/>
+            </a:schemeClr>
+          </a:lnRef>
+          <a:fillRef idx="1">
+            <a:schemeClr val="accent1"/>
+          </a:fillRef>
+          <a:effectRef idx="0">
+            <a:schemeClr val="accent1"/>
+          </a:effectRef>
+          <a:fontRef idx="minor">
+            <a:schemeClr val="lt1"/>
+          </a:fontRef>
+        </p:style>
+        <p:txBody>
+          <a:bodyPr rtlCol="0" anchor="ctr"/>
+          <a:lstStyle/>
+          <a:p>
+            <a:pPr algn="ctr"/>
+            <a:r>
+              <a:rPr lang="en-US" dirty="0">
+                <a:solidFill>
+                  <a:schemeClr val="tx1">
+                    <a:lumMod val="85000"/>
+                    <a:lumOff val="15000"/>
+                  </a:schemeClr>
+                </a:solidFill>
+              </a:rPr>
+              <a:t>CFO</a:t>
+            </a:r>
+          </a:p>
+        </p:txBody>
+      </p:sp>
+      <p:sp>
+        <p:nvSpPr>
+          <p:cNvPr id="7" name="Rectangle 6">
+            <a:extLst>
+              <a:ext uri="{FF2B5EF4-FFF2-40B4-BE49-F238E27FC236}">
+                <a16:creationId xmlns:a16="http://schemas.microsoft.com/office/drawing/2014/main" id="{3FEC0642-9B49-D747-8108-B014677D7D29}"/>
+              </a:ext>
+            </a:extLst>
+          </p:cNvPr>
+          <p:cNvSpPr/>
+          <p:nvPr/>
+        </p:nvSpPr>
+        <p:spPr>
+          <a:xfrm>
+            <a:off x="7246702" y="2669152"/>
+            <a:ext cx="885292" cy="280400"/>
+          </a:xfrm>
+          <a:prstGeom prst="rect">
+            <a:avLst/>
+          </a:prstGeom>
+          <a:noFill/>
+          <a:ln>
+            <a:solidFill>
+              <a:schemeClr val="tx1">
+                <a:lumMod val="85000"/>
+                <a:lumOff val="15000"/>
+              </a:schemeClr>
+            </a:solidFill>
+          </a:ln>
+        </p:spPr>
+        <p:style>
+          <a:lnRef idx="2">
+            <a:schemeClr val="accent1">
+              <a:shade val="50000"/>
+            </a:schemeClr>
+          </a:lnRef>
+          <a:fillRef idx="1">
+            <a:schemeClr val="accent1"/>
+          </a:fillRef>
+          <a:effectRef idx="0">
+            <a:schemeClr val="accent1"/>
+          </a:effectRef>
+          <a:fontRef idx="minor">
+            <a:schemeClr val="lt1"/>
+          </a:fontRef>
+        </p:style>
+        <p:txBody>
+          <a:bodyPr rtlCol="0" anchor="ctr"/>
+          <a:lstStyle/>
+          <a:p>
+            <a:pPr algn="ctr"/>
+            <a:r>
+              <a:rPr lang="en-US" dirty="0">
+                <a:solidFill>
+                  <a:schemeClr val="tx1">
+                    <a:lumMod val="85000"/>
+                    <a:lumOff val="15000"/>
+                  </a:schemeClr>
+                </a:solidFill>
+              </a:rPr>
+              <a:t>CRO</a:t>
+            </a:r>
+          </a:p>
+        </p:txBody>
+      </p:sp>
+      <p:sp>
+        <p:nvSpPr>
+          <p:cNvPr id="8" name="Rectangle 7">
+            <a:extLst>
+              <a:ext uri="{FF2B5EF4-FFF2-40B4-BE49-F238E27FC236}">
+                <a16:creationId xmlns:a16="http://schemas.microsoft.com/office/drawing/2014/main" id="{4433CFDF-2945-B24E-A585-0904A9FDC33F}"/>
+              </a:ext>
+            </a:extLst>
+          </p:cNvPr>
+          <p:cNvSpPr/>
+          <p:nvPr/>
+        </p:nvSpPr>
+        <p:spPr>
+          <a:xfrm>
+            <a:off x="7246701" y="4310888"/>
+            <a:ext cx="885292" cy="280400"/>
+          </a:xfrm>
+          <a:prstGeom prst="rect">
+            <a:avLst/>
+          </a:prstGeom>
+          <a:noFill/>
+          <a:ln>
+            <a:solidFill>
+              <a:schemeClr val="tx1">
+                <a:lumMod val="85000"/>
+                <a:lumOff val="15000"/>
+              </a:schemeClr>
+            </a:solidFill>
+          </a:ln>
+        </p:spPr>
+        <p:style>
+          <a:lnRef idx="2">
+            <a:schemeClr val="accent1">
+              <a:shade val="50000"/>
+            </a:schemeClr>
+          </a:lnRef>
+          <a:fillRef idx="1">
+            <a:schemeClr val="accent1"/>
+          </a:fillRef>
+          <a:effectRef idx="0">
+            <a:schemeClr val="accent1"/>
+          </a:effectRef>
+          <a:fontRef idx="minor">
+            <a:schemeClr val="lt1"/>
+          </a:fontRef>
+        </p:style>
+        <p:txBody>
+          <a:bodyPr rtlCol="0" anchor="ctr"/>
+          <a:lstStyle/>
+          <a:p>
+            <a:pPr algn="ctr"/>
+            <a:r>
+              <a:rPr lang="en-US" dirty="0">
+                <a:solidFill>
+                  <a:schemeClr val="tx1">
+                    <a:lumMod val="85000"/>
+                    <a:lumOff val="15000"/>
+                  </a:schemeClr>
+                </a:solidFill>
+              </a:rPr>
+              <a:t>CIO</a:t>
+            </a:r>
+          </a:p>
+        </p:txBody>
+      </p:sp>
+      <p:sp>
+        <p:nvSpPr>
+          <p:cNvPr id="9" name="Rectangle 8">
+            <a:extLst>
+              <a:ext uri="{FF2B5EF4-FFF2-40B4-BE49-F238E27FC236}">
+                <a16:creationId xmlns:a16="http://schemas.microsoft.com/office/drawing/2014/main" id="{4770F5C0-D207-EB40-A13A-B591784EC9E5}"/>
+              </a:ext>
+            </a:extLst>
+          </p:cNvPr>
+          <p:cNvSpPr/>
+          <p:nvPr/>
+        </p:nvSpPr>
+        <p:spPr>
+          <a:xfrm>
+            <a:off x="7246701" y="3030243"/>
+            <a:ext cx="885292" cy="280400"/>
+          </a:xfrm>
+          <a:prstGeom prst="rect">
+            <a:avLst/>
+          </a:prstGeom>
+          <a:noFill/>
+          <a:ln>
+            <a:solidFill>
+              <a:schemeClr val="tx1">
+                <a:lumMod val="85000"/>
+                <a:lumOff val="15000"/>
+              </a:schemeClr>
+            </a:solidFill>
+          </a:ln>
+        </p:spPr>
+        <p:style>
+          <a:lnRef idx="2">
+            <a:schemeClr val="accent1">
+              <a:shade val="50000"/>
+            </a:schemeClr>
+          </a:lnRef>
+          <a:fillRef idx="1">
+            <a:schemeClr val="accent1"/>
+          </a:fillRef>
+          <a:effectRef idx="0">
+            <a:schemeClr val="accent1"/>
+          </a:effectRef>
+          <a:fontRef idx="minor">
+            <a:schemeClr val="lt1"/>
+          </a:fontRef>
+        </p:style>
+        <p:txBody>
+          <a:bodyPr rtlCol="0" anchor="ctr"/>
+          <a:lstStyle/>
+          <a:p>
+            <a:pPr algn="ctr"/>
+            <a:r>
+              <a:rPr lang="en-US" dirty="0">
+                <a:solidFill>
+                  <a:schemeClr val="tx1">
+                    <a:lumMod val="85000"/>
+                    <a:lumOff val="15000"/>
+                  </a:schemeClr>
+                </a:solidFill>
+              </a:rPr>
+              <a:t>CMO</a:t>
+            </a:r>
+          </a:p>
+        </p:txBody>
+      </p:sp>
+      <p:sp>
+        <p:nvSpPr>
+          <p:cNvPr id="10" name="Rectangle 9">
+            <a:extLst>
+              <a:ext uri="{FF2B5EF4-FFF2-40B4-BE49-F238E27FC236}">
+                <a16:creationId xmlns:a16="http://schemas.microsoft.com/office/drawing/2014/main" id="{D73E096B-61DD-0149-9D69-4B80781F50EF}"/>
+              </a:ext>
+            </a:extLst>
+          </p:cNvPr>
+          <p:cNvSpPr/>
+          <p:nvPr/>
+        </p:nvSpPr>
+        <p:spPr>
+          <a:xfrm>
+            <a:off x="7246701" y="3921744"/>
+            <a:ext cx="885292" cy="282119"/>
+          </a:xfrm>
+          <a:prstGeom prst="rect">
+            <a:avLst/>
+          </a:prstGeom>
+          <a:noFill/>
+          <a:ln>
+            <a:solidFill>
+              <a:schemeClr val="tx1">
+                <a:lumMod val="85000"/>
+                <a:lumOff val="15000"/>
+              </a:schemeClr>
+            </a:solidFill>
+          </a:ln>
+        </p:spPr>
+        <p:style>
+          <a:lnRef idx="2">
+            <a:schemeClr val="accent1">
+              <a:shade val="50000"/>
+            </a:schemeClr>
+          </a:lnRef>
+          <a:fillRef idx="1">
+            <a:schemeClr val="accent1"/>
+          </a:fillRef>
+          <a:effectRef idx="0">
+            <a:schemeClr val="accent1"/>
+          </a:effectRef>
+          <a:fontRef idx="minor">
+            <a:schemeClr val="lt1"/>
+          </a:fontRef>
+        </p:style>
+        <p:txBody>
+          <a:bodyPr rtlCol="0" anchor="ctr"/>
+          <a:lstStyle/>
+          <a:p>
+            <a:pPr algn="ctr"/>
+            <a:r>
+              <a:rPr lang="en-US" dirty="0">
+                <a:solidFill>
+                  <a:schemeClr val="tx1">
+                    <a:lumMod val="85000"/>
+                    <a:lumOff val="15000"/>
+                  </a:schemeClr>
+                </a:solidFill>
+              </a:rPr>
+              <a:t>COO</a:t>
+            </a:r>
+          </a:p>
+        </p:txBody>
+      </p:sp>
+      <p:sp>
+        <p:nvSpPr>
+          <p:cNvPr id="11" name="Rectangle 10">
+            <a:extLst>
+              <a:ext uri="{FF2B5EF4-FFF2-40B4-BE49-F238E27FC236}">
+                <a16:creationId xmlns:a16="http://schemas.microsoft.com/office/drawing/2014/main" id="{99E1F7FF-FE4A-8641-88F9-AD9754C08163}"/>
+              </a:ext>
+            </a:extLst>
+          </p:cNvPr>
+          <p:cNvSpPr/>
+          <p:nvPr/>
+        </p:nvSpPr>
+        <p:spPr>
+          <a:xfrm>
+            <a:off x="4711549" y="2322829"/>
+            <a:ext cx="1347627" cy="296238"/>
+          </a:xfrm>
+          <a:prstGeom prst="rect">
+            <a:avLst/>
+          </a:prstGeom>
+          <a:noFill/>
+          <a:ln>
+            <a:solidFill>
+              <a:schemeClr val="tx1">
+                <a:lumMod val="85000"/>
+                <a:lumOff val="15000"/>
+              </a:schemeClr>
+            </a:solidFill>
+          </a:ln>
+        </p:spPr>
+        <p:style>
+          <a:lnRef idx="2">
+            <a:schemeClr val="accent1">
+              <a:shade val="50000"/>
+            </a:schemeClr>
+          </a:lnRef>
+          <a:fillRef idx="1">
+            <a:schemeClr val="accent1"/>
+          </a:fillRef>
+          <a:effectRef idx="0">
+            <a:schemeClr val="accent1"/>
+          </a:effectRef>
+          <a:fontRef idx="minor">
+            <a:schemeClr val="lt1"/>
+          </a:fontRef>
+        </p:style>
+        <p:txBody>
+          <a:bodyPr rtlCol="0" anchor="ctr"/>
+          <a:lstStyle/>
+          <a:p>
+            <a:pPr algn="ctr"/>
+            <a:r>
+              <a:rPr lang="en-US" sz="1600" dirty="0">
+                <a:solidFill>
+                  <a:schemeClr val="tx1">
+                    <a:lumMod val="85000"/>
+                    <a:lumOff val="15000"/>
+                  </a:schemeClr>
+                </a:solidFill>
+              </a:rPr>
+              <a:t>Domo Master</a:t>
+            </a:r>
+          </a:p>
+        </p:txBody>
+      </p:sp>
+      <p:cxnSp>
+        <p:nvCxnSpPr>
+          <p:cNvPr id="13" name="Elbow Connector 12">
+            <a:extLst>
+              <a:ext uri="{FF2B5EF4-FFF2-40B4-BE49-F238E27FC236}">
+                <a16:creationId xmlns:a16="http://schemas.microsoft.com/office/drawing/2014/main" id="{73686E36-225F-5648-AEAC-A65C0D351DD4}"/>
+              </a:ext>
+            </a:extLst>
+          </p:cNvPr>
+          <p:cNvCxnSpPr>
+            <a:cxnSpLocks/>
+            <a:stCxn id="2" idx="2"/>
+            <a:endCxn id="11" idx="1"/>
+          </p:cNvCxnSpPr>
+          <p:nvPr/>
+        </p:nvCxnSpPr>
+        <p:spPr>
+          <a:xfrm rot="16200000" flipH="1">
+            <a:off x="4233371" y="1992769"/>
+            <a:ext cx="816809" cy="139548"/>
+          </a:xfrm>
+          <a:prstGeom prst="bentConnector2">
+            <a:avLst/>
+          </a:prstGeom>
+          <a:ln>
+            <a:solidFill>
+              <a:schemeClr val="tx1">
+                <a:lumMod val="85000"/>
+                <a:lumOff val="15000"/>
+              </a:schemeClr>
+            </a:solidFill>
+          </a:ln>
+        </p:spPr>
+        <p:style>
+          <a:lnRef idx="1">
+            <a:schemeClr val="accent1"/>
+          </a:lnRef>
+          <a:fillRef idx="0">
+            <a:schemeClr val="accent1"/>
+          </a:fillRef>
+          <a:effectRef idx="0">
+            <a:schemeClr val="accent1"/>
+          </a:effectRef>
+          <a:fontRef idx="minor">
+            <a:schemeClr val="tx1"/>
+          </a:fontRef>
+        </p:style>
+      </p:cxnSp>
+      <p:cxnSp>
+        <p:nvCxnSpPr>
+          <p:cNvPr id="14" name="Elbow Connector 13">
+            <a:extLst>
+              <a:ext uri="{FF2B5EF4-FFF2-40B4-BE49-F238E27FC236}">
+                <a16:creationId xmlns:a16="http://schemas.microsoft.com/office/drawing/2014/main" id="{4A99DB99-A9CC-3C48-A723-CC94EFBBBA35}"/>
+              </a:ext>
+            </a:extLst>
+          </p:cNvPr>
+          <p:cNvCxnSpPr>
+            <a:cxnSpLocks/>
+            <a:stCxn id="4" idx="1"/>
+            <a:endCxn id="11" idx="0"/>
+          </p:cNvCxnSpPr>
+          <p:nvPr/>
+        </p:nvCxnSpPr>
+        <p:spPr>
+          <a:xfrm rot="10800000" flipV="1">
+            <a:off x="5385363" y="1741259"/>
+            <a:ext cx="1861338" cy="581570"/>
+          </a:xfrm>
+          <a:prstGeom prst="bentConnector2">
+            <a:avLst/>
+          </a:prstGeom>
+          <a:ln>
+            <a:solidFill>
+              <a:schemeClr val="tx1">
+                <a:lumMod val="85000"/>
+                <a:lumOff val="15000"/>
+              </a:schemeClr>
+            </a:solidFill>
+            <a:prstDash val="dash"/>
+          </a:ln>
+        </p:spPr>
+        <p:style>
+          <a:lnRef idx="1">
+            <a:schemeClr val="accent1"/>
+          </a:lnRef>
+          <a:fillRef idx="0">
+            <a:schemeClr val="accent1"/>
+          </a:fillRef>
+          <a:effectRef idx="0">
+            <a:schemeClr val="accent1"/>
+          </a:effectRef>
+          <a:fontRef idx="minor">
+            <a:schemeClr val="tx1"/>
+          </a:fontRef>
+        </p:style>
+      </p:cxnSp>
+      <p:cxnSp>
+        <p:nvCxnSpPr>
+          <p:cNvPr id="17" name="Elbow Connector 16">
+            <a:extLst>
+              <a:ext uri="{FF2B5EF4-FFF2-40B4-BE49-F238E27FC236}">
+                <a16:creationId xmlns:a16="http://schemas.microsoft.com/office/drawing/2014/main" id="{DF1C8C93-6780-0448-AB44-E7EFBDA84D96}"/>
+              </a:ext>
+            </a:extLst>
+          </p:cNvPr>
+          <p:cNvCxnSpPr>
+            <a:cxnSpLocks/>
+            <a:stCxn id="5" idx="1"/>
+            <a:endCxn id="11" idx="0"/>
+          </p:cNvCxnSpPr>
+          <p:nvPr/>
+        </p:nvCxnSpPr>
+        <p:spPr>
+          <a:xfrm rot="10800000" flipV="1">
+            <a:off x="5385363" y="2126545"/>
+            <a:ext cx="1861338" cy="196284"/>
+          </a:xfrm>
+          <a:prstGeom prst="bentConnector2">
+            <a:avLst/>
+          </a:prstGeom>
+          <a:ln>
+            <a:solidFill>
+              <a:schemeClr val="tx1">
+                <a:lumMod val="85000"/>
+                <a:lumOff val="15000"/>
+              </a:schemeClr>
+            </a:solidFill>
+            <a:prstDash val="dash"/>
+          </a:ln>
+        </p:spPr>
+        <p:style>
+          <a:lnRef idx="1">
+            <a:schemeClr val="accent1"/>
+          </a:lnRef>
+          <a:fillRef idx="0">
+            <a:schemeClr val="accent1"/>
+          </a:fillRef>
+          <a:effectRef idx="0">
+            <a:schemeClr val="accent1"/>
+          </a:effectRef>
+          <a:fontRef idx="minor">
+            <a:schemeClr val="tx1"/>
+          </a:fontRef>
+        </p:style>
+      </p:cxnSp>
+      <p:cxnSp>
+        <p:nvCxnSpPr>
+          <p:cNvPr id="22" name="Elbow Connector 21">
+            <a:extLst>
+              <a:ext uri="{FF2B5EF4-FFF2-40B4-BE49-F238E27FC236}">
+                <a16:creationId xmlns:a16="http://schemas.microsoft.com/office/drawing/2014/main" id="{1FA5EB80-0544-DF40-8652-B730821EE151}"/>
+              </a:ext>
+            </a:extLst>
+          </p:cNvPr>
+          <p:cNvCxnSpPr>
+            <a:cxnSpLocks/>
+            <a:stCxn id="3" idx="2"/>
+            <a:endCxn id="2" idx="0"/>
+          </p:cNvCxnSpPr>
+          <p:nvPr/>
+        </p:nvCxnSpPr>
+        <p:spPr>
+          <a:xfrm rot="16200000" flipH="1">
+            <a:off x="4432443" y="959776"/>
+            <a:ext cx="279115" cy="1"/>
+          </a:xfrm>
+          <a:prstGeom prst="bentConnector3">
+            <a:avLst>
+              <a:gd name="adj1" fmla="val 50000"/>
+            </a:avLst>
+          </a:prstGeom>
+          <a:ln>
+            <a:solidFill>
+              <a:schemeClr val="tx1">
+                <a:lumMod val="85000"/>
+                <a:lumOff val="15000"/>
+              </a:schemeClr>
+            </a:solidFill>
+          </a:ln>
+        </p:spPr>
+        <p:style>
+          <a:lnRef idx="1">
+            <a:schemeClr val="accent1"/>
+          </a:lnRef>
+          <a:fillRef idx="0">
+            <a:schemeClr val="accent1"/>
+          </a:fillRef>
+          <a:effectRef idx="0">
+            <a:schemeClr val="accent1"/>
+          </a:effectRef>
+          <a:fontRef idx="minor">
+            <a:schemeClr val="tx1"/>
+          </a:fontRef>
+        </p:style>
+      </p:cxnSp>
+      <p:sp>
+        <p:nvSpPr>
+          <p:cNvPr id="25" name="Rectangle 24">
+            <a:extLst>
+              <a:ext uri="{FF2B5EF4-FFF2-40B4-BE49-F238E27FC236}">
+                <a16:creationId xmlns:a16="http://schemas.microsoft.com/office/drawing/2014/main" id="{EAEDF028-DCBF-7948-B1F4-14BCEA49903F}"/>
+              </a:ext>
+            </a:extLst>
+          </p:cNvPr>
+          <p:cNvSpPr/>
+          <p:nvPr/>
+        </p:nvSpPr>
+        <p:spPr>
+          <a:xfrm>
+            <a:off x="4711548" y="3421533"/>
+            <a:ext cx="1347627" cy="296238"/>
+          </a:xfrm>
+          <a:prstGeom prst="rect">
+            <a:avLst/>
+          </a:prstGeom>
+          <a:noFill/>
+          <a:ln>
+            <a:solidFill>
+              <a:schemeClr val="tx1">
+                <a:lumMod val="85000"/>
+                <a:lumOff val="15000"/>
+              </a:schemeClr>
+            </a:solidFill>
+          </a:ln>
+        </p:spPr>
+        <p:style>
+          <a:lnRef idx="2">
+            <a:schemeClr val="accent1">
+              <a:shade val="50000"/>
+            </a:schemeClr>
+          </a:lnRef>
+          <a:fillRef idx="1">
+            <a:schemeClr val="accent1"/>
+          </a:fillRef>
+          <a:effectRef idx="0">
+            <a:schemeClr val="accent1"/>
+          </a:effectRef>
+          <a:fontRef idx="minor">
+            <a:schemeClr val="lt1"/>
+          </a:fontRef>
+        </p:style>
+        <p:txBody>
+          <a:bodyPr rtlCol="0" anchor="ctr"/>
+          <a:lstStyle/>
+          <a:p>
+            <a:pPr algn="ctr"/>
+            <a:r>
+              <a:rPr lang="en-US" sz="1600" dirty="0">
+                <a:solidFill>
+                  <a:schemeClr val="tx1">
+                    <a:lumMod val="85000"/>
+                    <a:lumOff val="15000"/>
+                  </a:schemeClr>
+                </a:solidFill>
+              </a:rPr>
+              <a:t>Domo Master</a:t>
+            </a:r>
+          </a:p>
+        </p:txBody>
+      </p:sp>
+      <p:cxnSp>
+        <p:nvCxnSpPr>
+          <p:cNvPr id="26" name="Elbow Connector 25">
+            <a:extLst>
+              <a:ext uri="{FF2B5EF4-FFF2-40B4-BE49-F238E27FC236}">
+                <a16:creationId xmlns:a16="http://schemas.microsoft.com/office/drawing/2014/main" id="{B07C4F00-653E-F447-A47F-80F32673AAD5}"/>
+              </a:ext>
+            </a:extLst>
+          </p:cNvPr>
+          <p:cNvCxnSpPr>
+            <a:cxnSpLocks/>
+            <a:stCxn id="2" idx="2"/>
+            <a:endCxn id="25" idx="1"/>
+          </p:cNvCxnSpPr>
+          <p:nvPr/>
+        </p:nvCxnSpPr>
+        <p:spPr>
+          <a:xfrm rot="16200000" flipH="1">
+            <a:off x="3684018" y="2542121"/>
+            <a:ext cx="1915513" cy="139547"/>
+          </a:xfrm>
+          <a:prstGeom prst="bentConnector2">
+            <a:avLst/>
+          </a:prstGeom>
+          <a:ln>
+            <a:solidFill>
+              <a:schemeClr val="tx1">
+                <a:lumMod val="85000"/>
+                <a:lumOff val="15000"/>
+              </a:schemeClr>
+            </a:solidFill>
+          </a:ln>
+        </p:spPr>
+        <p:style>
+          <a:lnRef idx="1">
+            <a:schemeClr val="accent1"/>
+          </a:lnRef>
+          <a:fillRef idx="0">
+            <a:schemeClr val="accent1"/>
+          </a:fillRef>
+          <a:effectRef idx="0">
+            <a:schemeClr val="accent1"/>
+          </a:effectRef>
+          <a:fontRef idx="minor">
+            <a:schemeClr val="tx1"/>
+          </a:fontRef>
+        </p:style>
+      </p:cxnSp>
+      <p:cxnSp>
+        <p:nvCxnSpPr>
+          <p:cNvPr id="27" name="Elbow Connector 26">
+            <a:extLst>
+              <a:ext uri="{FF2B5EF4-FFF2-40B4-BE49-F238E27FC236}">
+                <a16:creationId xmlns:a16="http://schemas.microsoft.com/office/drawing/2014/main" id="{D68EA596-5735-A24B-BB9A-EAA4B5796D8E}"/>
+              </a:ext>
+            </a:extLst>
+          </p:cNvPr>
+          <p:cNvCxnSpPr>
+            <a:cxnSpLocks/>
+            <a:stCxn id="7" idx="1"/>
+            <a:endCxn id="25" idx="0"/>
+          </p:cNvCxnSpPr>
+          <p:nvPr/>
+        </p:nvCxnSpPr>
+        <p:spPr>
+          <a:xfrm rot="10800000" flipV="1">
+            <a:off x="5385362" y="2809351"/>
+            <a:ext cx="1861340" cy="612181"/>
+          </a:xfrm>
+          <a:prstGeom prst="bentConnector2">
+            <a:avLst/>
+          </a:prstGeom>
+          <a:ln>
+            <a:solidFill>
+              <a:schemeClr val="tx1">
+                <a:lumMod val="85000"/>
+                <a:lumOff val="15000"/>
+              </a:schemeClr>
+            </a:solidFill>
+            <a:prstDash val="dash"/>
+          </a:ln>
+        </p:spPr>
+        <p:style>
+          <a:lnRef idx="1">
+            <a:schemeClr val="accent1"/>
+          </a:lnRef>
+          <a:fillRef idx="0">
+            <a:schemeClr val="accent1"/>
+          </a:fillRef>
+          <a:effectRef idx="0">
+            <a:schemeClr val="accent1"/>
+          </a:effectRef>
+          <a:fontRef idx="minor">
+            <a:schemeClr val="tx1"/>
+          </a:fontRef>
+        </p:style>
+      </p:cxnSp>
+      <p:cxnSp>
+        <p:nvCxnSpPr>
+          <p:cNvPr id="32" name="Elbow Connector 31">
+            <a:extLst>
+              <a:ext uri="{FF2B5EF4-FFF2-40B4-BE49-F238E27FC236}">
+                <a16:creationId xmlns:a16="http://schemas.microsoft.com/office/drawing/2014/main" id="{053EADC2-636A-484B-964C-ADBE75C3F775}"/>
+              </a:ext>
+            </a:extLst>
+          </p:cNvPr>
+          <p:cNvCxnSpPr>
+            <a:cxnSpLocks/>
+            <a:stCxn id="9" idx="1"/>
+            <a:endCxn id="25" idx="0"/>
+          </p:cNvCxnSpPr>
+          <p:nvPr/>
+        </p:nvCxnSpPr>
+        <p:spPr>
+          <a:xfrm rot="10800000" flipV="1">
+            <a:off x="5385363" y="3170443"/>
+            <a:ext cx="1861339" cy="251090"/>
+          </a:xfrm>
+          <a:prstGeom prst="bentConnector2">
+            <a:avLst/>
+          </a:prstGeom>
+          <a:ln>
+            <a:solidFill>
+              <a:schemeClr val="tx1">
+                <a:lumMod val="85000"/>
+                <a:lumOff val="15000"/>
+              </a:schemeClr>
+            </a:solidFill>
+            <a:prstDash val="dash"/>
+          </a:ln>
+        </p:spPr>
+        <p:style>
+          <a:lnRef idx="1">
+            <a:schemeClr val="accent1"/>
+          </a:lnRef>
+          <a:fillRef idx="0">
+            <a:schemeClr val="accent1"/>
+          </a:fillRef>
+          <a:effectRef idx="0">
+            <a:schemeClr val="accent1"/>
+          </a:effectRef>
+          <a:fontRef idx="minor">
+            <a:schemeClr val="tx1"/>
+          </a:fontRef>
+        </p:style>
+      </p:cxnSp>
+      <p:sp>
+        <p:nvSpPr>
+          <p:cNvPr id="39" name="Rectangle 38">
+            <a:extLst>
+              <a:ext uri="{FF2B5EF4-FFF2-40B4-BE49-F238E27FC236}">
+                <a16:creationId xmlns:a16="http://schemas.microsoft.com/office/drawing/2014/main" id="{A911F033-9097-7C40-9A03-EE5F23A1BC1C}"/>
+              </a:ext>
+            </a:extLst>
+          </p:cNvPr>
+          <p:cNvSpPr/>
+          <p:nvPr/>
+        </p:nvSpPr>
+        <p:spPr>
+          <a:xfrm>
+            <a:off x="4719259" y="4652483"/>
+            <a:ext cx="1347627" cy="296238"/>
+          </a:xfrm>
+          <a:prstGeom prst="rect">
+            <a:avLst/>
+          </a:prstGeom>
+          <a:noFill/>
+          <a:ln>
+            <a:solidFill>
+              <a:schemeClr val="tx1">
+                <a:lumMod val="85000"/>
+                <a:lumOff val="15000"/>
+              </a:schemeClr>
+            </a:solidFill>
+          </a:ln>
+        </p:spPr>
+        <p:style>
+          <a:lnRef idx="2">
+            <a:schemeClr val="accent1">
+              <a:shade val="50000"/>
+            </a:schemeClr>
+          </a:lnRef>
+          <a:fillRef idx="1">
+            <a:schemeClr val="accent1"/>
+          </a:fillRef>
+          <a:effectRef idx="0">
+            <a:schemeClr val="accent1"/>
+          </a:effectRef>
+          <a:fontRef idx="minor">
+            <a:schemeClr val="lt1"/>
+          </a:fontRef>
+        </p:style>
+        <p:txBody>
+          <a:bodyPr rtlCol="0" anchor="ctr"/>
+          <a:lstStyle/>
+          <a:p>
+            <a:pPr algn="ctr"/>
+            <a:r>
+              <a:rPr lang="en-US" sz="1600" dirty="0">
+                <a:solidFill>
+                  <a:schemeClr val="tx1">
+                    <a:lumMod val="85000"/>
+                    <a:lumOff val="15000"/>
+                  </a:schemeClr>
+                </a:solidFill>
+              </a:rPr>
+              <a:t>Domo Master</a:t>
+            </a:r>
+          </a:p>
+        </p:txBody>
+      </p:sp>
+      <p:cxnSp>
+        <p:nvCxnSpPr>
+          <p:cNvPr id="40" name="Elbow Connector 39">
+            <a:extLst>
+              <a:ext uri="{FF2B5EF4-FFF2-40B4-BE49-F238E27FC236}">
+                <a16:creationId xmlns:a16="http://schemas.microsoft.com/office/drawing/2014/main" id="{16671A9B-4514-6140-AA1E-04238B6614B5}"/>
+              </a:ext>
+            </a:extLst>
+          </p:cNvPr>
+          <p:cNvCxnSpPr>
+            <a:cxnSpLocks/>
+            <a:stCxn id="2" idx="2"/>
+            <a:endCxn id="39" idx="1"/>
+          </p:cNvCxnSpPr>
+          <p:nvPr/>
+        </p:nvCxnSpPr>
+        <p:spPr>
+          <a:xfrm rot="16200000" flipH="1">
+            <a:off x="3072399" y="3153741"/>
+            <a:ext cx="3146463" cy="147258"/>
+          </a:xfrm>
+          <a:prstGeom prst="bentConnector2">
+            <a:avLst/>
+          </a:prstGeom>
+          <a:ln>
+            <a:solidFill>
+              <a:schemeClr val="tx1">
+                <a:lumMod val="85000"/>
+                <a:lumOff val="15000"/>
+              </a:schemeClr>
+            </a:solidFill>
+          </a:ln>
+        </p:spPr>
+        <p:style>
+          <a:lnRef idx="1">
+            <a:schemeClr val="accent1"/>
+          </a:lnRef>
+          <a:fillRef idx="0">
+            <a:schemeClr val="accent1"/>
+          </a:fillRef>
+          <a:effectRef idx="0">
+            <a:schemeClr val="accent1"/>
+          </a:effectRef>
+          <a:fontRef idx="minor">
+            <a:schemeClr val="tx1"/>
+          </a:fontRef>
+        </p:style>
+      </p:cxnSp>
+      <p:cxnSp>
+        <p:nvCxnSpPr>
+          <p:cNvPr id="41" name="Elbow Connector 40">
+            <a:extLst>
+              <a:ext uri="{FF2B5EF4-FFF2-40B4-BE49-F238E27FC236}">
+                <a16:creationId xmlns:a16="http://schemas.microsoft.com/office/drawing/2014/main" id="{AAD82120-5C91-7346-898F-2A08D6B2E1F5}"/>
+              </a:ext>
+            </a:extLst>
+          </p:cNvPr>
+          <p:cNvCxnSpPr>
+            <a:cxnSpLocks/>
+            <a:stCxn id="10" idx="1"/>
+            <a:endCxn id="39" idx="0"/>
+          </p:cNvCxnSpPr>
+          <p:nvPr/>
+        </p:nvCxnSpPr>
+        <p:spPr>
+          <a:xfrm rot="10800000" flipV="1">
+            <a:off x="5393073" y="4062803"/>
+            <a:ext cx="1853628" cy="589679"/>
+          </a:xfrm>
+          <a:prstGeom prst="bentConnector2">
+            <a:avLst/>
+          </a:prstGeom>
+          <a:ln>
+            <a:solidFill>
+              <a:schemeClr val="tx1">
+                <a:lumMod val="85000"/>
+                <a:lumOff val="15000"/>
+              </a:schemeClr>
+            </a:solidFill>
+            <a:prstDash val="dash"/>
+          </a:ln>
+        </p:spPr>
+        <p:style>
+          <a:lnRef idx="1">
+            <a:schemeClr val="accent1"/>
+          </a:lnRef>
+          <a:fillRef idx="0">
+            <a:schemeClr val="accent1"/>
+          </a:fillRef>
+          <a:effectRef idx="0">
+            <a:schemeClr val="accent1"/>
+          </a:effectRef>
+          <a:fontRef idx="minor">
+            <a:schemeClr val="tx1"/>
+          </a:fontRef>
+        </p:style>
+      </p:cxnSp>
+      <p:cxnSp>
+        <p:nvCxnSpPr>
+          <p:cNvPr id="42" name="Elbow Connector 41">
+            <a:extLst>
+              <a:ext uri="{FF2B5EF4-FFF2-40B4-BE49-F238E27FC236}">
+                <a16:creationId xmlns:a16="http://schemas.microsoft.com/office/drawing/2014/main" id="{F3EA7CC4-6947-2E45-8408-4A2CAA6B81F3}"/>
+              </a:ext>
+            </a:extLst>
+          </p:cNvPr>
+          <p:cNvCxnSpPr>
+            <a:cxnSpLocks/>
+            <a:stCxn id="8" idx="1"/>
+            <a:endCxn id="39" idx="0"/>
+          </p:cNvCxnSpPr>
+          <p:nvPr/>
+        </p:nvCxnSpPr>
+        <p:spPr>
+          <a:xfrm rot="10800000" flipV="1">
+            <a:off x="5393073" y="4451087"/>
+            <a:ext cx="1853628" cy="201395"/>
+          </a:xfrm>
+          <a:prstGeom prst="bentConnector2">
+            <a:avLst/>
+          </a:prstGeom>
+          <a:ln>
+            <a:solidFill>
+              <a:schemeClr val="tx1">
+                <a:lumMod val="85000"/>
+                <a:lumOff val="15000"/>
+              </a:schemeClr>
+            </a:solidFill>
+            <a:prstDash val="dash"/>
+          </a:ln>
+        </p:spPr>
+        <p:style>
+          <a:lnRef idx="1">
+            <a:schemeClr val="accent1"/>
+          </a:lnRef>
+          <a:fillRef idx="0">
+            <a:schemeClr val="accent1"/>
+          </a:fillRef>
+          <a:effectRef idx="0">
+            <a:schemeClr val="accent1"/>
+          </a:effectRef>
+          <a:fontRef idx="minor">
+            <a:schemeClr val="tx1"/>
+          </a:fontRef>
+        </p:style>
+      </p:cxnSp>
+      <p:sp>
+        <p:nvSpPr>
+          <p:cNvPr id="47" name="Rectangle 46">
+            <a:extLst>
+              <a:ext uri="{FF2B5EF4-FFF2-40B4-BE49-F238E27FC236}">
+                <a16:creationId xmlns:a16="http://schemas.microsoft.com/office/drawing/2014/main" id="{C3199B74-D64D-394E-AAF0-CF1E1C3605DB}"/>
+              </a:ext>
+            </a:extLst>
+          </p:cNvPr>
+          <p:cNvSpPr/>
+          <p:nvPr/>
+        </p:nvSpPr>
+        <p:spPr>
+          <a:xfrm>
+            <a:off x="2351070" y="5822878"/>
+            <a:ext cx="1347627" cy="447773"/>
+          </a:xfrm>
+          <a:prstGeom prst="rect">
+            <a:avLst/>
+          </a:prstGeom>
+          <a:noFill/>
+          <a:ln>
+            <a:solidFill>
+              <a:schemeClr val="tx1">
+                <a:lumMod val="85000"/>
+                <a:lumOff val="15000"/>
+              </a:schemeClr>
+            </a:solidFill>
+          </a:ln>
+        </p:spPr>
+        <p:style>
+          <a:lnRef idx="2">
+            <a:schemeClr val="accent1">
+              <a:shade val="50000"/>
+            </a:schemeClr>
+          </a:lnRef>
+          <a:fillRef idx="1">
+            <a:schemeClr val="accent1"/>
+          </a:fillRef>
+          <a:effectRef idx="0">
+            <a:schemeClr val="accent1"/>
+          </a:effectRef>
+          <a:fontRef idx="minor">
+            <a:schemeClr val="lt1"/>
+          </a:fontRef>
+        </p:style>
+        <p:txBody>
+          <a:bodyPr rtlCol="0" anchor="ctr"/>
+          <a:lstStyle/>
+          <a:p>
+            <a:pPr algn="ctr"/>
+            <a:r>
+              <a:rPr lang="en-US" sz="1600" dirty="0">
+                <a:solidFill>
+                  <a:schemeClr val="tx1">
+                    <a:lumMod val="85000"/>
+                    <a:lumOff val="15000"/>
+                  </a:schemeClr>
+                </a:solidFill>
+              </a:rPr>
+              <a:t>Data Specialist</a:t>
+            </a:r>
+          </a:p>
+        </p:txBody>
+      </p:sp>
+      <p:cxnSp>
+        <p:nvCxnSpPr>
+          <p:cNvPr id="48" name="Elbow Connector 47">
+            <a:extLst>
+              <a:ext uri="{FF2B5EF4-FFF2-40B4-BE49-F238E27FC236}">
+                <a16:creationId xmlns:a16="http://schemas.microsoft.com/office/drawing/2014/main" id="{602D8470-E3AB-5B4B-B62B-E38671F7B4DD}"/>
+              </a:ext>
+            </a:extLst>
+          </p:cNvPr>
+          <p:cNvCxnSpPr>
+            <a:cxnSpLocks/>
+            <a:stCxn id="2" idx="2"/>
+            <a:endCxn id="47" idx="0"/>
+          </p:cNvCxnSpPr>
+          <p:nvPr/>
+        </p:nvCxnSpPr>
+        <p:spPr>
+          <a:xfrm rot="5400000">
+            <a:off x="1714074" y="2964950"/>
+            <a:ext cx="4168739" cy="1547117"/>
+          </a:xfrm>
+          <a:prstGeom prst="bentConnector3">
+            <a:avLst>
+              <a:gd name="adj1" fmla="val 92144"/>
+            </a:avLst>
+          </a:prstGeom>
+          <a:ln>
+            <a:solidFill>
+              <a:schemeClr val="tx1">
+                <a:lumMod val="85000"/>
+                <a:lumOff val="15000"/>
+              </a:schemeClr>
+            </a:solidFill>
+          </a:ln>
+        </p:spPr>
+        <p:style>
+          <a:lnRef idx="1">
+            <a:schemeClr val="accent1"/>
+          </a:lnRef>
+          <a:fillRef idx="0">
+            <a:schemeClr val="accent1"/>
+          </a:fillRef>
+          <a:effectRef idx="0">
+            <a:schemeClr val="accent1"/>
+          </a:effectRef>
+          <a:fontRef idx="minor">
+            <a:schemeClr val="tx1"/>
+          </a:fontRef>
+        </p:style>
+      </p:cxnSp>
+      <p:sp>
+        <p:nvSpPr>
+          <p:cNvPr id="51" name="Rectangle 50">
+            <a:extLst>
+              <a:ext uri="{FF2B5EF4-FFF2-40B4-BE49-F238E27FC236}">
+                <a16:creationId xmlns:a16="http://schemas.microsoft.com/office/drawing/2014/main" id="{054B0657-F294-FC46-8D81-16997910C4D9}"/>
+              </a:ext>
+            </a:extLst>
+          </p:cNvPr>
+          <p:cNvSpPr/>
+          <p:nvPr/>
+        </p:nvSpPr>
+        <p:spPr>
+          <a:xfrm>
+            <a:off x="3898185" y="5822878"/>
+            <a:ext cx="1347627" cy="447773"/>
+          </a:xfrm>
+          <a:prstGeom prst="rect">
+            <a:avLst/>
+          </a:prstGeom>
+          <a:noFill/>
+          <a:ln>
+            <a:solidFill>
+              <a:schemeClr val="tx1">
+                <a:lumMod val="85000"/>
+                <a:lumOff val="15000"/>
+              </a:schemeClr>
+            </a:solidFill>
+          </a:ln>
+        </p:spPr>
+        <p:style>
+          <a:lnRef idx="2">
+            <a:schemeClr val="accent1">
+              <a:shade val="50000"/>
+            </a:schemeClr>
+          </a:lnRef>
+          <a:fillRef idx="1">
+            <a:schemeClr val="accent1"/>
+          </a:fillRef>
+          <a:effectRef idx="0">
+            <a:schemeClr val="accent1"/>
+          </a:effectRef>
+          <a:fontRef idx="minor">
+            <a:schemeClr val="lt1"/>
+          </a:fontRef>
+        </p:style>
+        <p:txBody>
+          <a:bodyPr rtlCol="0" anchor="ctr"/>
+          <a:lstStyle/>
+          <a:p>
+            <a:pPr algn="ctr"/>
+            <a:r>
+              <a:rPr lang="en-US" sz="1600" dirty="0">
+                <a:solidFill>
+                  <a:schemeClr val="tx1">
+                    <a:lumMod val="85000"/>
+                    <a:lumOff val="15000"/>
+                  </a:schemeClr>
+                </a:solidFill>
+              </a:rPr>
+              <a:t>Data Specialist</a:t>
+            </a:r>
+          </a:p>
+        </p:txBody>
+      </p:sp>
+      <p:cxnSp>
+        <p:nvCxnSpPr>
+          <p:cNvPr id="52" name="Elbow Connector 51">
+            <a:extLst>
+              <a:ext uri="{FF2B5EF4-FFF2-40B4-BE49-F238E27FC236}">
+                <a16:creationId xmlns:a16="http://schemas.microsoft.com/office/drawing/2014/main" id="{63177C36-911E-6445-81F5-A6177F28C98F}"/>
+              </a:ext>
+            </a:extLst>
+          </p:cNvPr>
+          <p:cNvCxnSpPr>
+            <a:cxnSpLocks/>
+            <a:stCxn id="2" idx="2"/>
+            <a:endCxn id="51" idx="0"/>
+          </p:cNvCxnSpPr>
+          <p:nvPr/>
+        </p:nvCxnSpPr>
+        <p:spPr>
+          <a:xfrm rot="5400000">
+            <a:off x="2487631" y="3738507"/>
+            <a:ext cx="4168739" cy="2"/>
+          </a:xfrm>
+          <a:prstGeom prst="bentConnector3">
+            <a:avLst>
+              <a:gd name="adj1" fmla="val 50000"/>
+            </a:avLst>
+          </a:prstGeom>
+          <a:ln>
+            <a:solidFill>
+              <a:schemeClr val="tx1">
+                <a:lumMod val="85000"/>
+                <a:lumOff val="15000"/>
+              </a:schemeClr>
+            </a:solidFill>
+          </a:ln>
+        </p:spPr>
+        <p:style>
+          <a:lnRef idx="1">
+            <a:schemeClr val="accent1"/>
+          </a:lnRef>
+          <a:fillRef idx="0">
+            <a:schemeClr val="accent1"/>
+          </a:fillRef>
+          <a:effectRef idx="0">
+            <a:schemeClr val="accent1"/>
+          </a:effectRef>
+          <a:fontRef idx="minor">
+            <a:schemeClr val="tx1"/>
+          </a:fontRef>
+        </p:style>
+      </p:cxnSp>
+      <p:sp>
+        <p:nvSpPr>
+          <p:cNvPr id="63" name="Rectangle 62">
+            <a:extLst>
+              <a:ext uri="{FF2B5EF4-FFF2-40B4-BE49-F238E27FC236}">
+                <a16:creationId xmlns:a16="http://schemas.microsoft.com/office/drawing/2014/main" id="{047114B2-2768-F449-A65A-8AD8566EC141}"/>
+              </a:ext>
+            </a:extLst>
+          </p:cNvPr>
+          <p:cNvSpPr/>
+          <p:nvPr/>
+        </p:nvSpPr>
+        <p:spPr>
+          <a:xfrm>
+            <a:off x="5470988" y="5822878"/>
+            <a:ext cx="1347627" cy="447773"/>
+          </a:xfrm>
+          <a:prstGeom prst="rect">
+            <a:avLst/>
+          </a:prstGeom>
+          <a:noFill/>
+          <a:ln>
+            <a:solidFill>
+              <a:schemeClr val="tx1">
+                <a:lumMod val="85000"/>
+                <a:lumOff val="15000"/>
+              </a:schemeClr>
+            </a:solidFill>
+          </a:ln>
+        </p:spPr>
+        <p:style>
+          <a:lnRef idx="2">
+            <a:schemeClr val="accent1">
+              <a:shade val="50000"/>
+            </a:schemeClr>
+          </a:lnRef>
+          <a:fillRef idx="1">
+            <a:schemeClr val="accent1"/>
+          </a:fillRef>
+          <a:effectRef idx="0">
+            <a:schemeClr val="accent1"/>
+          </a:effectRef>
+          <a:fontRef idx="minor">
+            <a:schemeClr val="lt1"/>
+          </a:fontRef>
+        </p:style>
+        <p:txBody>
+          <a:bodyPr rtlCol="0" anchor="ctr"/>
+          <a:lstStyle/>
+          <a:p>
+            <a:pPr algn="ctr"/>
+            <a:r>
+              <a:rPr lang="en-US" sz="1600" dirty="0">
+                <a:solidFill>
+                  <a:schemeClr val="tx1">
+                    <a:lumMod val="85000"/>
+                    <a:lumOff val="15000"/>
+                  </a:schemeClr>
+                </a:solidFill>
+              </a:rPr>
+              <a:t>Data Specialist</a:t>
+            </a:r>
+          </a:p>
+        </p:txBody>
+      </p:sp>
+      <p:cxnSp>
+        <p:nvCxnSpPr>
+          <p:cNvPr id="64" name="Elbow Connector 63">
+            <a:extLst>
+              <a:ext uri="{FF2B5EF4-FFF2-40B4-BE49-F238E27FC236}">
+                <a16:creationId xmlns:a16="http://schemas.microsoft.com/office/drawing/2014/main" id="{AEBFE85E-3D25-D44A-AA30-D985090D3757}"/>
+              </a:ext>
+            </a:extLst>
+          </p:cNvPr>
+          <p:cNvCxnSpPr>
+            <a:cxnSpLocks/>
+            <a:stCxn id="2" idx="2"/>
+            <a:endCxn id="63" idx="0"/>
+          </p:cNvCxnSpPr>
+          <p:nvPr/>
+        </p:nvCxnSpPr>
+        <p:spPr>
+          <a:xfrm rot="16200000" flipH="1">
+            <a:off x="3274032" y="2952107"/>
+            <a:ext cx="4168739" cy="1572801"/>
+          </a:xfrm>
+          <a:prstGeom prst="bentConnector3">
+            <a:avLst>
+              <a:gd name="adj1" fmla="val 92144"/>
+            </a:avLst>
+          </a:prstGeom>
+          <a:ln>
+            <a:solidFill>
+              <a:schemeClr val="tx1">
+                <a:lumMod val="85000"/>
+                <a:lumOff val="15000"/>
+              </a:schemeClr>
+            </a:solidFill>
+          </a:ln>
+        </p:spPr>
+        <p:style>
+          <a:lnRef idx="1">
+            <a:schemeClr val="accent1"/>
+          </a:lnRef>
+          <a:fillRef idx="0">
+            <a:schemeClr val="accent1"/>
+          </a:fillRef>
+          <a:effectRef idx="0">
+            <a:schemeClr val="accent1"/>
+          </a:effectRef>
+          <a:fontRef idx="minor">
+            <a:schemeClr val="tx1"/>
+          </a:fontRef>
+        </p:style>
+      </p:cxnSp>
     </p:spTree>
     <p:extLst>
       <p:ext uri="{BB962C8B-B14F-4D97-AF65-F5344CB8AC3E}">
